--- a/React/lesson_26/Presentation/Redux.pptx
+++ b/React/lesson_26/Presentation/Redux.pptx
@@ -2038,7 +2038,7 @@
         <p:spPr>
           <a:xfrm>
             <a:off x="899592" y="2852936"/>
-            <a:ext cx="7920880" cy="1754326"/>
+            <a:ext cx="7920880" cy="1477328"/>
           </a:xfrm>
           <a:prstGeom prst="rect">
             <a:avLst/>
@@ -2062,25 +2062,63 @@
               <a:rPr lang="ru-RU" dirty="0">
                 <a:latin typeface="Calibri" pitchFamily="34" charset="0"/>
               </a:rPr>
-              <a:t> — JavaScript-библиотека , которая выделяется из сотни библиотек и </a:t>
+              <a:t> — </a:t>
             </a:r>
             <a:r>
               <a:rPr lang="ru-RU" dirty="0" err="1">
                 <a:latin typeface="Calibri" pitchFamily="34" charset="0"/>
               </a:rPr>
-              <a:t>фреймворков</a:t>
-            </a:r>
-            <a:r>
-              <a:rPr lang="ru-RU" dirty="0">
-                <a:latin typeface="Calibri" pitchFamily="34" charset="0"/>
-              </a:rPr>
-              <a:t> тем, что грамотно решает множество разных вопросов путем введения простой и предсказуемой модели состояний, уклоне на функциональное программирование и неизменяемые данные, предоставления компактного API. </a:t>
-            </a:r>
-            <a:endParaRPr lang="en-US" dirty="0">
+              <a:t>JavaScript</a:t>
+            </a:r>
+            <a:r>
+              <a:rPr lang="ru-RU" dirty="0">
+                <a:latin typeface="Calibri" pitchFamily="34" charset="0"/>
+              </a:rPr>
+              <a:t>-библиотека, которая</a:t>
+            </a:r>
+            <a:r>
+              <a:rPr lang="en-US" dirty="0">
+                <a:latin typeface="Calibri" pitchFamily="34" charset="0"/>
+              </a:rPr>
+              <a:t> </a:t>
+            </a:r>
+            <a:r>
+              <a:rPr lang="ru-RU" dirty="0">
+                <a:latin typeface="Calibri" pitchFamily="34" charset="0"/>
+              </a:rPr>
+              <a:t>создает </a:t>
+            </a:r>
+            <a:r>
+              <a:rPr lang="ru-RU" dirty="0">
+                <a:latin typeface="Calibri" pitchFamily="34" charset="0"/>
+              </a:rPr>
+              <a:t>контейнеры состояний для приложений </a:t>
+            </a:r>
+            <a:r>
+              <a:rPr lang="ru-RU" dirty="0" err="1">
+                <a:latin typeface="Calibri" pitchFamily="34" charset="0"/>
+              </a:rPr>
+              <a:t>JavaScript</a:t>
+            </a:r>
+            <a:r>
+              <a:rPr lang="en-US" dirty="0">
+                <a:latin typeface="Calibri" pitchFamily="34" charset="0"/>
+              </a:rPr>
+              <a:t>.</a:t>
+            </a:r>
+          </a:p>
+          <a:p>
+            <a:endParaRPr lang="ru-RU" dirty="0">
               <a:latin typeface="Calibri" pitchFamily="34" charset="0"/>
             </a:endParaRPr>
           </a:p>
           <a:p>
+            <a:r>
+              <a:rPr lang="ru-RU" dirty="0">
+                <a:latin typeface="Calibri" pitchFamily="34" charset="0"/>
+              </a:rPr>
+              <a:t>Помогает писать приложения, которые ведут себя последовательно, работают в разных средах (клиент, сервер) и легко тестируются. </a:t>
+            </a:r>
             <a:endParaRPr lang="uk-UA" dirty="0">
               <a:latin typeface="Calibri" pitchFamily="34" charset="0"/>
             </a:endParaRPr>
@@ -2221,10 +2259,22 @@
               <a:t>: </a:t>
             </a:r>
             <a:r>
-              <a:rPr lang="ru-RU" dirty="0">
-                <a:latin typeface="Calibri" pitchFamily="34" charset="0"/>
-              </a:rPr>
-              <a:t>Состояние всего вашего приложения сохранено в дереве объектов внутри одного хранилища.</a:t>
+              <a:rPr lang="en-US" dirty="0">
+                <a:latin typeface="Calibri" pitchFamily="34" charset="0"/>
+              </a:rPr>
+              <a:t>c</a:t>
+            </a:r>
+            <a:r>
+              <a:rPr lang="ru-RU" dirty="0" err="1">
+                <a:latin typeface="Calibri" pitchFamily="34" charset="0"/>
+              </a:rPr>
+              <a:t>остояние</a:t>
+            </a:r>
+            <a:r>
+              <a:rPr lang="ru-RU" dirty="0">
+                <a:latin typeface="Calibri" pitchFamily="34" charset="0"/>
+              </a:rPr>
+              <a:t> всего вашего приложения сохранено в дереве объектов внутри одного хранилища.</a:t>
             </a:r>
             <a:r>
               <a:rPr lang="en-US" dirty="0">
@@ -2290,10 +2340,22 @@
               <a:t>: </a:t>
             </a:r>
             <a:r>
-              <a:rPr lang="ru-RU" dirty="0">
-                <a:latin typeface="Calibri" pitchFamily="34" charset="0"/>
-              </a:rPr>
-              <a:t>Единственный способ изменить состояние - это применить действие - объект, который описывает, что случится.</a:t>
+              <a:rPr lang="uk-UA" dirty="0">
+                <a:latin typeface="Calibri" pitchFamily="34" charset="0"/>
+              </a:rPr>
+              <a:t>е</a:t>
+            </a:r>
+            <a:r>
+              <a:rPr lang="ru-RU" dirty="0" err="1">
+                <a:latin typeface="Calibri" pitchFamily="34" charset="0"/>
+              </a:rPr>
+              <a:t>динственный</a:t>
+            </a:r>
+            <a:r>
+              <a:rPr lang="ru-RU" dirty="0">
+                <a:latin typeface="Calibri" pitchFamily="34" charset="0"/>
+              </a:rPr>
+              <a:t> способ изменить состояние - это применить действие - объект, который описывает, что случится.</a:t>
             </a:r>
             <a:r>
               <a:rPr lang="en-US" dirty="0">
@@ -2418,12 +2480,8 @@
               <a:t>Компоненты </a:t>
             </a:r>
             <a:r>
-              <a:rPr lang="en-US" dirty="0" err="1"/>
-              <a:t>redux</a:t>
-            </a:r>
-            <a:r>
               <a:rPr lang="en-US" dirty="0"/>
-              <a:t>: actions</a:t>
+              <a:t>Redux: actions</a:t>
             </a:r>
             <a:endParaRPr lang="uk-UA" dirty="0"/>
           </a:p>
@@ -2614,12 +2672,8 @@
               <a:t>Компоненты </a:t>
             </a:r>
             <a:r>
-              <a:rPr lang="en-US" dirty="0" err="1"/>
-              <a:t>redux</a:t>
-            </a:r>
-            <a:r>
               <a:rPr lang="en-US" dirty="0"/>
-              <a:t>: reducers</a:t>
+              <a:t>Redux: reducers</a:t>
             </a:r>
             <a:endParaRPr lang="uk-UA" dirty="0"/>
           </a:p>
@@ -2634,7 +2688,7 @@
         <p:spPr>
           <a:xfrm>
             <a:off x="683568" y="1412776"/>
-            <a:ext cx="7632848" cy="3693319"/>
+            <a:ext cx="7632848" cy="3416320"/>
           </a:xfrm>
           <a:prstGeom prst="rect">
             <a:avLst/>
@@ -2795,7 +2849,7 @@
               <a:rPr lang="ru-RU" dirty="0">
                 <a:latin typeface="Calibri" pitchFamily="34" charset="0"/>
               </a:rPr>
-              <a:t>Непосредственно изменять то, что пришло в аргументах функции;</a:t>
+              <a:t>Непосредственно изменять данные, переданные в аргументах функции;</a:t>
             </a:r>
           </a:p>
           <a:p>
@@ -2804,16 +2858,10 @@
               <a:buChar char="•"/>
             </a:pPr>
             <a:r>
-              <a:rPr lang="en-US" dirty="0">
-                <a:latin typeface="Calibri" pitchFamily="34" charset="0"/>
-              </a:rPr>
-              <a:t> </a:t>
-            </a:r>
-            <a:r>
-              <a:rPr lang="ru-RU" dirty="0">
-                <a:latin typeface="Calibri" pitchFamily="34" charset="0"/>
-              </a:rPr>
-              <a:t>Выполнять какие-либо сайд-эффекты: обращаться к API или осуществлять переход по </a:t>
+              <a:rPr lang="ru-RU" dirty="0">
+                <a:latin typeface="Calibri" pitchFamily="34" charset="0"/>
+              </a:rPr>
+              <a:t> Обращаться к API или осуществлять переход по </a:t>
             </a:r>
             <a:r>
               <a:rPr lang="ru-RU" dirty="0" err="1">
@@ -2927,12 +2975,8 @@
               <a:t>Компоненты </a:t>
             </a:r>
             <a:r>
-              <a:rPr lang="en-US" dirty="0" err="1"/>
-              <a:t>redux</a:t>
-            </a:r>
-            <a:r>
               <a:rPr lang="en-US" dirty="0"/>
-              <a:t>: store</a:t>
+              <a:t>Redux: store</a:t>
             </a:r>
             <a:endParaRPr lang="uk-UA" dirty="0"/>
           </a:p>
@@ -2947,7 +2991,7 @@
         <p:spPr>
           <a:xfrm>
             <a:off x="683568" y="1844824"/>
-            <a:ext cx="7776864" cy="3477875"/>
+            <a:ext cx="7776864" cy="3139321"/>
           </a:xfrm>
           <a:prstGeom prst="rect">
             <a:avLst/>
@@ -2961,38 +3005,38 @@
           <a:lstStyle/>
           <a:p>
             <a:r>
-              <a:rPr lang="ru-RU" sz="2000" b="1" dirty="0">
+              <a:rPr lang="ru-RU" b="1" dirty="0">
                 <a:latin typeface="Calibri" pitchFamily="34" charset="0"/>
               </a:rPr>
               <a:t>Хранилище (</a:t>
             </a:r>
             <a:r>
-              <a:rPr lang="ru-RU" sz="2000" b="1" dirty="0" err="1">
+              <a:rPr lang="ru-RU" b="1" dirty="0" err="1">
                 <a:latin typeface="Calibri" pitchFamily="34" charset="0"/>
               </a:rPr>
               <a:t>Store</a:t>
             </a:r>
             <a:r>
-              <a:rPr lang="ru-RU" sz="2000" b="1" dirty="0">
+              <a:rPr lang="ru-RU" b="1" dirty="0">
                 <a:latin typeface="Calibri" pitchFamily="34" charset="0"/>
               </a:rPr>
               <a:t>)</a:t>
             </a:r>
             <a:r>
-              <a:rPr lang="ru-RU" sz="2000" dirty="0">
+              <a:rPr lang="ru-RU" dirty="0">
                 <a:latin typeface="Calibri" pitchFamily="34" charset="0"/>
               </a:rPr>
               <a:t> - это объект, который соединяет эти части вместе. Хранилище берет на себя следующие задачи:</a:t>
             </a:r>
             <a:r>
-              <a:rPr lang="en-US" sz="2000" dirty="0">
+              <a:rPr lang="en-US" dirty="0">
                 <a:latin typeface="Calibri" pitchFamily="34" charset="0"/>
               </a:rPr>
               <a:t> </a:t>
             </a:r>
           </a:p>
           <a:p>
-            <a:endParaRPr lang="ru-RU" sz="2000" dirty="0">
+            <a:endParaRPr lang="ru-RU" dirty="0">
               <a:latin typeface="Calibri" pitchFamily="34" charset="0"/>
             </a:endParaRPr>
           </a:p>
@@ -3002,48 +3046,48 @@
               <a:buChar char="•"/>
             </a:pPr>
             <a:r>
-              <a:rPr lang="en-US" sz="2000" dirty="0">
+              <a:rPr lang="en-US" dirty="0">
                 <a:latin typeface="Calibri" pitchFamily="34" charset="0"/>
               </a:rPr>
               <a:t> </a:t>
             </a:r>
             <a:r>
-              <a:rPr lang="ru-RU" sz="2000" dirty="0">
+              <a:rPr lang="ru-RU" dirty="0">
                 <a:latin typeface="Calibri" pitchFamily="34" charset="0"/>
               </a:rPr>
               <a:t>Содержит состояние приложения (</a:t>
             </a:r>
             <a:r>
-              <a:rPr lang="ru-RU" sz="2000" dirty="0" err="1">
+              <a:rPr lang="ru-RU" dirty="0" err="1">
                 <a:latin typeface="Calibri" pitchFamily="34" charset="0"/>
               </a:rPr>
               <a:t>application</a:t>
             </a:r>
             <a:r>
-              <a:rPr lang="ru-RU" sz="2000" dirty="0">
+              <a:rPr lang="ru-RU" dirty="0">
                 <a:latin typeface="Calibri" pitchFamily="34" charset="0"/>
               </a:rPr>
               <a:t> </a:t>
             </a:r>
             <a:r>
-              <a:rPr lang="ru-RU" sz="2000" dirty="0" err="1">
+              <a:rPr lang="ru-RU" dirty="0" err="1">
                 <a:latin typeface="Calibri" pitchFamily="34" charset="0"/>
               </a:rPr>
               <a:t>state</a:t>
             </a:r>
             <a:r>
-              <a:rPr lang="ru-RU" sz="2000" dirty="0">
+              <a:rPr lang="ru-RU" dirty="0">
                 <a:latin typeface="Calibri" pitchFamily="34" charset="0"/>
               </a:rPr>
               <a:t>);</a:t>
             </a:r>
             <a:r>
-              <a:rPr lang="en-US" sz="2000" dirty="0">
+              <a:rPr lang="en-US" dirty="0">
                 <a:latin typeface="Calibri" pitchFamily="34" charset="0"/>
               </a:rPr>
               <a:t> </a:t>
             </a:r>
-            <a:endParaRPr lang="ru-RU" sz="2000" dirty="0">
+            <a:endParaRPr lang="ru-RU" dirty="0">
               <a:latin typeface="Calibri" pitchFamily="34" charset="0"/>
             </a:endParaRPr>
           </a:p>
@@ -3053,25 +3097,25 @@
               <a:buChar char="•"/>
             </a:pPr>
             <a:r>
-              <a:rPr lang="en-US" sz="2000" dirty="0">
+              <a:rPr lang="en-US" dirty="0">
                 <a:latin typeface="Calibri" pitchFamily="34" charset="0"/>
               </a:rPr>
               <a:t> </a:t>
             </a:r>
             <a:r>
-              <a:rPr lang="ru-RU" sz="2000" dirty="0">
+              <a:rPr lang="ru-RU" dirty="0">
                 <a:latin typeface="Calibri" pitchFamily="34" charset="0"/>
               </a:rPr>
               <a:t>Предоставляет доступ к состоянию с помощью </a:t>
             </a:r>
             <a:r>
-              <a:rPr lang="ru-RU" sz="2000" dirty="0" err="1">
+              <a:rPr lang="ru-RU" dirty="0" err="1">
                 <a:latin typeface="Calibri" pitchFamily="34" charset="0"/>
               </a:rPr>
               <a:t>getState</a:t>
             </a:r>
             <a:r>
-              <a:rPr lang="ru-RU" sz="2000" dirty="0">
+              <a:rPr lang="ru-RU" dirty="0">
                 <a:latin typeface="Calibri" pitchFamily="34" charset="0"/>
               </a:rPr>
               <a:t>();</a:t>
@@ -3083,37 +3127,37 @@
               <a:buChar char="•"/>
             </a:pPr>
             <a:r>
-              <a:rPr lang="en-US" sz="2000" dirty="0">
+              <a:rPr lang="en-US" dirty="0">
                 <a:latin typeface="Calibri" pitchFamily="34" charset="0"/>
               </a:rPr>
               <a:t> </a:t>
             </a:r>
             <a:r>
-              <a:rPr lang="ru-RU" sz="2000" dirty="0">
+              <a:rPr lang="ru-RU" dirty="0">
                 <a:latin typeface="Calibri" pitchFamily="34" charset="0"/>
               </a:rPr>
               <a:t>Предоставляет возможность обновления состояния с помощью </a:t>
             </a:r>
             <a:r>
-              <a:rPr lang="ru-RU" sz="2000" dirty="0" err="1">
+              <a:rPr lang="ru-RU" dirty="0" err="1">
                 <a:latin typeface="Calibri" pitchFamily="34" charset="0"/>
               </a:rPr>
               <a:t>dispatch</a:t>
             </a:r>
             <a:r>
-              <a:rPr lang="ru-RU" sz="2000" dirty="0">
+              <a:rPr lang="ru-RU" dirty="0">
                 <a:latin typeface="Calibri" pitchFamily="34" charset="0"/>
               </a:rPr>
               <a:t>(</a:t>
             </a:r>
             <a:r>
-              <a:rPr lang="ru-RU" sz="2000" dirty="0" err="1">
+              <a:rPr lang="ru-RU" dirty="0" err="1">
                 <a:latin typeface="Calibri" pitchFamily="34" charset="0"/>
               </a:rPr>
               <a:t>action</a:t>
             </a:r>
             <a:r>
-              <a:rPr lang="ru-RU" sz="2000" dirty="0">
+              <a:rPr lang="ru-RU" dirty="0">
                 <a:latin typeface="Calibri" pitchFamily="34" charset="0"/>
               </a:rPr>
               <a:t>);</a:t>
@@ -3125,61 +3169,61 @@
               <a:buChar char="•"/>
             </a:pPr>
             <a:r>
-              <a:rPr lang="en-US" sz="2000" dirty="0">
+              <a:rPr lang="en-US" dirty="0">
                 <a:latin typeface="Calibri" pitchFamily="34" charset="0"/>
               </a:rPr>
               <a:t> </a:t>
             </a:r>
             <a:r>
-              <a:rPr lang="ru-RU" sz="2000" dirty="0">
+              <a:rPr lang="ru-RU" dirty="0">
                 <a:latin typeface="Calibri" pitchFamily="34" charset="0"/>
               </a:rPr>
               <a:t>Регистрирует слушатели (</a:t>
             </a:r>
             <a:r>
-              <a:rPr lang="ru-RU" sz="2000" dirty="0" err="1">
+              <a:rPr lang="ru-RU" dirty="0" err="1">
                 <a:latin typeface="Calibri" pitchFamily="34" charset="0"/>
               </a:rPr>
               <a:t>listeners</a:t>
             </a:r>
             <a:r>
-              <a:rPr lang="ru-RU" sz="2000" dirty="0">
+              <a:rPr lang="ru-RU" dirty="0">
                 <a:latin typeface="Calibri" pitchFamily="34" charset="0"/>
               </a:rPr>
               <a:t>) </a:t>
             </a:r>
             <a:r>
-              <a:rPr lang="ru-RU" sz="2000" dirty="0" err="1">
+              <a:rPr lang="ru-RU" dirty="0" err="1">
                 <a:latin typeface="Calibri" pitchFamily="34" charset="0"/>
               </a:rPr>
               <a:t>c</a:t>
             </a:r>
             <a:r>
-              <a:rPr lang="ru-RU" sz="2000" dirty="0">
+              <a:rPr lang="ru-RU" dirty="0">
                 <a:latin typeface="Calibri" pitchFamily="34" charset="0"/>
               </a:rPr>
               <a:t> помощью </a:t>
             </a:r>
             <a:r>
-              <a:rPr lang="ru-RU" sz="2000" dirty="0" err="1">
+              <a:rPr lang="ru-RU" dirty="0" err="1">
                 <a:latin typeface="Calibri" pitchFamily="34" charset="0"/>
               </a:rPr>
               <a:t>subscribe</a:t>
             </a:r>
             <a:r>
-              <a:rPr lang="ru-RU" sz="2000" dirty="0">
+              <a:rPr lang="ru-RU" dirty="0">
                 <a:latin typeface="Calibri" pitchFamily="34" charset="0"/>
               </a:rPr>
               <a:t>(</a:t>
             </a:r>
             <a:r>
-              <a:rPr lang="ru-RU" sz="2000" dirty="0" err="1">
+              <a:rPr lang="ru-RU" dirty="0" err="1">
                 <a:latin typeface="Calibri" pitchFamily="34" charset="0"/>
               </a:rPr>
               <a:t>listener</a:t>
             </a:r>
             <a:r>
-              <a:rPr lang="ru-RU" sz="2000" dirty="0">
+              <a:rPr lang="ru-RU" dirty="0">
                 <a:latin typeface="Calibri" pitchFamily="34" charset="0"/>
               </a:rPr>
               <a:t>).</a:t>
@@ -3191,44 +3235,44 @@
               <a:buChar char="•"/>
             </a:pPr>
             <a:r>
-              <a:rPr lang="en-US" sz="2000" dirty="0">
+              <a:rPr lang="en-US" dirty="0">
                 <a:latin typeface="Calibri" pitchFamily="34" charset="0"/>
               </a:rPr>
               <a:t> </a:t>
             </a:r>
             <a:r>
-              <a:rPr lang="ru-RU" sz="2000" dirty="0">
+              <a:rPr lang="ru-RU" dirty="0">
                 <a:latin typeface="Calibri" pitchFamily="34" charset="0"/>
               </a:rPr>
               <a:t>Важно отметить, что у Вас будет только </a:t>
             </a:r>
             <a:r>
-              <a:rPr lang="ru-RU" sz="2000" b="1" dirty="0">
+              <a:rPr lang="ru-RU" b="1" dirty="0">
                 <a:latin typeface="Calibri" pitchFamily="34" charset="0"/>
               </a:rPr>
               <a:t>одно</a:t>
             </a:r>
             <a:r>
-              <a:rPr lang="ru-RU" sz="2000" dirty="0">
+              <a:rPr lang="ru-RU" dirty="0">
                 <a:latin typeface="Calibri" pitchFamily="34" charset="0"/>
               </a:rPr>
               <a:t> хранилище в </a:t>
             </a:r>
             <a:r>
-              <a:rPr lang="ru-RU" sz="2000" dirty="0" err="1">
+              <a:rPr lang="ru-RU" dirty="0" err="1">
                 <a:latin typeface="Calibri" pitchFamily="34" charset="0"/>
               </a:rPr>
               <a:t>Redux</a:t>
             </a:r>
             <a:r>
-              <a:rPr lang="ru-RU" sz="2000" dirty="0">
+              <a:rPr lang="ru-RU" dirty="0">
                 <a:latin typeface="Calibri" pitchFamily="34" charset="0"/>
               </a:rPr>
               <a:t> приложении.</a:t>
             </a:r>
           </a:p>
           <a:p>
-            <a:endParaRPr lang="uk-UA" sz="2000" dirty="0">
+            <a:endParaRPr lang="uk-UA" dirty="0">
               <a:latin typeface="Calibri" pitchFamily="34" charset="0"/>
             </a:endParaRPr>
           </a:p>
